--- a/presentation.pptx
+++ b/presentation.pptx
@@ -292,7 +292,7 @@
           <a:p>
             <a:fld id="{1D8BD707-D9CF-40AE-B4C6-C98DA3205C09}" type="datetimeFigureOut">
               <a:rPr lang="en-US"/>
-              <a:t>12/20/2022</a:t>
+              <a:t>12/21/22</a:t>
             </a:fld>
             <a:endParaRPr lang="en-US"/>
           </a:p>
@@ -469,7 +469,7 @@
           <a:p>
             <a:fld id="{1D8BD707-D9CF-40AE-B4C6-C98DA3205C09}" type="datetimeFigureOut">
               <a:rPr lang="en-US"/>
-              <a:t>12/20/2022</a:t>
+              <a:t>12/21/22</a:t>
             </a:fld>
             <a:endParaRPr lang="en-US"/>
           </a:p>
@@ -683,7 +683,7 @@
           <a:p>
             <a:fld id="{1D8BD707-D9CF-40AE-B4C6-C98DA3205C09}" type="datetimeFigureOut">
               <a:rPr lang="en-US"/>
-              <a:t>12/20/2022</a:t>
+              <a:t>12/21/22</a:t>
             </a:fld>
             <a:endParaRPr lang="en-US"/>
           </a:p>
@@ -911,7 +911,7 @@
           <a:p>
             <a:fld id="{1D8BD707-D9CF-40AE-B4C6-C98DA3205C09}" type="datetimeFigureOut">
               <a:rPr lang="en-US"/>
-              <a:t>12/20/2022</a:t>
+              <a:t>12/21/22</a:t>
             </a:fld>
             <a:endParaRPr lang="en-US"/>
           </a:p>
@@ -1030,7 +1030,7 @@
           <a:p>
             <a:fld id="{1D8BD707-D9CF-40AE-B4C6-C98DA3205C09}" type="datetimeFigureOut">
               <a:rPr lang="en-US"/>
-              <a:t>12/20/2022</a:t>
+              <a:t>12/21/22</a:t>
             </a:fld>
             <a:endParaRPr lang="en-US"/>
           </a:p>
@@ -1305,7 +1305,7 @@
           <a:p>
             <a:fld id="{1D8BD707-D9CF-40AE-B4C6-C98DA3205C09}" type="datetimeFigureOut">
               <a:rPr lang="en-US"/>
-              <a:t>12/20/2022</a:t>
+              <a:t>12/21/22</a:t>
             </a:fld>
             <a:endParaRPr lang="en-US"/>
           </a:p>
@@ -1554,7 +1554,7 @@
               </a:spcBef>
             </a:pPr>
             <a:r>
-              <a:rPr lang="en-US" sz="4800" b="1" i="1" dirty="0" smtClean="0">
+              <a:rPr lang="en-US" sz="4800" b="1" i="1" dirty="0">
                 <a:solidFill>
                   <a:srgbClr val="002E8A"/>
                 </a:solidFill>
@@ -1600,44 +1600,33 @@
               </a:spcBef>
             </a:pPr>
             <a:r>
-              <a:rPr lang="en-US" sz="2400" dirty="0" smtClean="0">
+              <a:rPr lang="en-US" sz="2400" dirty="0">
                 <a:latin typeface="Arial"/>
                 <a:cs typeface="Arial"/>
               </a:rPr>
               <a:t>PROJECT NAME</a:t>
             </a:r>
             <a:r>
-              <a:rPr lang="en-US" sz="2400" i="1" dirty="0" smtClean="0">
+              <a:rPr lang="en-US" sz="2400" i="1" dirty="0">
                 <a:latin typeface="Arial"/>
                 <a:cs typeface="Arial"/>
               </a:rPr>
-              <a:t>: </a:t>
-            </a:r>
-            <a:r>
-              <a:rPr lang="en-US" sz="2400" i="1" dirty="0" smtClean="0">
+              <a:t>: DB2-2022-2023(</a:t>
+            </a:r>
+            <a:r>
+              <a:rPr lang="en-US" sz="2400" i="1" dirty="0" err="1">
                 <a:latin typeface="Arial"/>
                 <a:cs typeface="Arial"/>
               </a:rPr>
-              <a:t>DB2-2022-2023(</a:t>
-            </a:r>
-            <a:r>
-              <a:rPr lang="en-US" sz="2400" i="1" dirty="0" err="1" smtClean="0">
+              <a:t>Udemy</a:t>
+            </a:r>
+            <a:r>
+              <a:rPr lang="en-US" sz="2400" i="1" dirty="0">
                 <a:latin typeface="Arial"/>
                 <a:cs typeface="Arial"/>
               </a:rPr>
-              <a:t>Udemy</a:t>
-            </a:r>
-            <a:r>
-              <a:rPr lang="en-US" sz="2400" i="1" dirty="0" smtClean="0">
-                <a:latin typeface="Arial"/>
-                <a:cs typeface="Arial"/>
-              </a:rPr>
               <a:t> Courses)</a:t>
             </a:r>
-            <a:endParaRPr lang="en-US" sz="2400" i="1" dirty="0" smtClean="0">
-              <a:latin typeface="Arial"/>
-              <a:cs typeface="Arial"/>
-            </a:endParaRPr>
           </a:p>
           <a:p>
             <a:pPr marL="12700" algn="ctr">
@@ -1649,7 +1638,7 @@
               </a:spcBef>
             </a:pPr>
             <a:r>
-              <a:rPr lang="en-US" sz="2400" b="1" dirty="0" smtClean="0"/>
+              <a:rPr lang="en-US" sz="2400" b="1" dirty="0"/>
               <a:t>(Group Members)</a:t>
             </a:r>
             <a:endParaRPr lang="en-US" sz="2400" dirty="0">
@@ -1667,7 +1656,7 @@
               </a:spcBef>
             </a:pPr>
             <a:r>
-              <a:rPr lang="en-US" sz="2400" dirty="0" smtClean="0">
+              <a:rPr lang="en-US" sz="2400" dirty="0">
                 <a:latin typeface="Arial"/>
                 <a:cs typeface="Arial"/>
               </a:rPr>
@@ -1684,25 +1673,11 @@
               </a:spcBef>
             </a:pPr>
             <a:r>
-              <a:rPr lang="en-US" sz="2400" dirty="0" err="1" smtClean="0">
+              <a:rPr lang="en-US" sz="2400" dirty="0" err="1">
                 <a:latin typeface="Arial"/>
                 <a:cs typeface="Arial"/>
               </a:rPr>
               <a:t>Rajmonda</a:t>
-            </a:r>
-            <a:r>
-              <a:rPr lang="en-US" sz="2400" dirty="0" smtClean="0">
-                <a:latin typeface="Arial"/>
-                <a:cs typeface="Arial"/>
-              </a:rPr>
-              <a:t> </a:t>
-            </a:r>
-            <a:r>
-              <a:rPr lang="en-US" sz="2400" dirty="0" err="1" smtClean="0">
-                <a:latin typeface="Arial"/>
-                <a:cs typeface="Arial"/>
-              </a:rPr>
-              <a:t>Bardhi</a:t>
             </a:r>
             <a:r>
               <a:rPr lang="en-US" sz="2400" dirty="0">
@@ -1712,16 +1687,19 @@
               <a:t> </a:t>
             </a:r>
             <a:r>
+              <a:rPr lang="en-US" sz="2400" dirty="0" err="1">
+                <a:latin typeface="Arial"/>
+                <a:cs typeface="Arial"/>
+              </a:rPr>
+              <a:t>Bardhi</a:t>
+            </a:r>
+            <a:r>
               <a:rPr lang="en-US" sz="2400" dirty="0">
                 <a:latin typeface="Arial"/>
                 <a:cs typeface="Arial"/>
               </a:rPr>
-              <a:t>(2071810)</a:t>
-            </a:r>
-            <a:endParaRPr lang="en-US" sz="2400" dirty="0" smtClean="0">
-              <a:latin typeface="Arial"/>
-              <a:cs typeface="Arial"/>
-            </a:endParaRPr>
+              <a:t> (2071810)</a:t>
+            </a:r>
           </a:p>
           <a:p>
             <a:pPr marL="12700" algn="ctr">
@@ -1751,19 +1729,8 @@
                 <a:latin typeface="Arial"/>
                 <a:cs typeface="Arial"/>
               </a:rPr>
-              <a:t> (2005495</a:t>
-            </a:r>
-            <a:r>
-              <a:rPr lang="en-US" sz="2400" dirty="0" smtClean="0">
-                <a:latin typeface="Arial"/>
-                <a:cs typeface="Arial"/>
-              </a:rPr>
-              <a:t>)</a:t>
-            </a:r>
-            <a:endParaRPr lang="en-US" sz="2400" dirty="0" smtClean="0">
-              <a:latin typeface="Arial"/>
-              <a:cs typeface="Arial"/>
-            </a:endParaRPr>
+              <a:t> (2005495)</a:t>
+            </a:r>
           </a:p>
           <a:p>
             <a:pPr marL="12700" algn="ctr">
@@ -1775,37 +1742,26 @@
               </a:spcBef>
             </a:pPr>
             <a:r>
-              <a:rPr lang="en-US" sz="2400" dirty="0" smtClean="0">
+              <a:rPr lang="en-US" sz="2400" dirty="0">
                 <a:latin typeface="Arial"/>
                 <a:cs typeface="Arial"/>
               </a:rPr>
               <a:t>Carlos </a:t>
             </a:r>
             <a:r>
-              <a:rPr lang="en-US" sz="2400" dirty="0" err="1" smtClean="0">
+              <a:rPr lang="en-US" sz="2400" dirty="0" err="1">
                 <a:latin typeface="Arial"/>
                 <a:cs typeface="Arial"/>
               </a:rPr>
               <a:t>Alcantud</a:t>
             </a:r>
             <a:r>
-              <a:rPr lang="en-US" sz="2400" dirty="0" smtClean="0">
+              <a:rPr lang="en-US" sz="2400" dirty="0">
                 <a:latin typeface="Arial"/>
                 <a:cs typeface="Arial"/>
               </a:rPr>
-              <a:t> Cuesta (2065642</a:t>
-            </a:r>
-            <a:r>
-              <a:rPr lang="en-US" sz="2400" dirty="0" smtClean="0">
-                <a:latin typeface="Arial"/>
-                <a:cs typeface="Arial"/>
-              </a:rPr>
-              <a:t>)</a:t>
-            </a:r>
-            <a:endParaRPr lang="en-US" sz="2400" dirty="0" smtClean="0">
-              <a:latin typeface="Arial"/>
-              <a:cs typeface="Arial"/>
-            </a:endParaRPr>
+              <a:t> Cuesta (2065642)</a:t>
+            </a:r>
           </a:p>
         </p:txBody>
       </p:sp>
@@ -1814,13 +1770,6 @@
   <p:clrMapOvr>
     <a:masterClrMapping/>
   </p:clrMapOvr>
-  <p:timing>
-    <p:tnLst>
-      <p:par>
-        <p:cTn id="1" dur="indefinite" restart="never" nodeType="tmRoot"/>
-      </p:par>
-    </p:tnLst>
-  </p:timing>
 </p:sld>
 </file>
 
@@ -1875,7 +1824,7 @@
               </a:spcBef>
             </a:pPr>
             <a:r>
-              <a:rPr lang="en-US" sz="3200" spc="-5" dirty="0" smtClean="0"/>
+              <a:rPr lang="en-US" sz="3200" spc="-5" dirty="0"/>
               <a:t>Disjoint:</a:t>
             </a:r>
             <a:endParaRPr sz="3200" spc="-10" dirty="0"/>
@@ -1934,24 +1883,8 @@
               </a:spcBef>
             </a:pPr>
             <a:r>
-              <a:rPr lang="en-US" sz="2800" dirty="0" smtClean="0"/>
-              <a:t>We must </a:t>
-            </a:r>
-            <a:r>
               <a:rPr lang="en-US" sz="2800" dirty="0"/>
-              <a:t>make </a:t>
-            </a:r>
-            <a:r>
-              <a:rPr lang="en-US" sz="2800" dirty="0" smtClean="0"/>
-              <a:t>disjoint </a:t>
-            </a:r>
-            <a:r>
-              <a:rPr lang="en-US" sz="2800" dirty="0"/>
-              <a:t>from one </a:t>
-            </a:r>
-            <a:r>
-              <a:rPr lang="en-US" sz="2800" dirty="0" smtClean="0"/>
-              <a:t>another if we keep classes separate.</a:t>
+              <a:t>We must make disjoint from one another if we keep classes separate.</a:t>
             </a:r>
             <a:endParaRPr sz="2800" dirty="0">
               <a:latin typeface="Arial"/>
@@ -2065,7 +1998,7 @@
               </a:spcBef>
             </a:pPr>
             <a:r>
-              <a:rPr lang="en-US" sz="4000" b="1" spc="-10" dirty="0" err="1" smtClean="0">
+              <a:rPr lang="en-US" sz="4000" b="1" spc="-10" dirty="0" err="1">
                 <a:solidFill>
                   <a:srgbClr val="C00000"/>
                 </a:solidFill>
@@ -2075,7 +2008,7 @@
               <a:t>Jupytor</a:t>
             </a:r>
             <a:r>
-              <a:rPr lang="en-US" sz="4000" b="1" spc="-10" dirty="0" smtClean="0">
+              <a:rPr lang="en-US" sz="4000" b="1" spc="-10" dirty="0">
                 <a:solidFill>
                   <a:srgbClr val="C00000"/>
                 </a:solidFill>
@@ -2286,7 +2219,7 @@
               </a:tabLst>
             </a:pPr>
             <a:r>
-              <a:rPr lang="en-US" sz="2400" dirty="0" smtClean="0">
+              <a:rPr lang="en-US" sz="2400" dirty="0">
                 <a:latin typeface="Calibri"/>
                 <a:cs typeface="Calibri"/>
               </a:rPr>
@@ -2333,7 +2266,7 @@
               </a:spcBef>
             </a:pPr>
             <a:r>
-              <a:rPr lang="en-US" sz="2800" spc="-5" dirty="0" smtClean="0"/>
+              <a:rPr lang="en-US" sz="2800" spc="-5" dirty="0"/>
               <a:t>Data Cleaning:</a:t>
             </a:r>
             <a:endParaRPr sz="2800" dirty="0"/>
@@ -2583,7 +2516,7 @@
               </a:spcBef>
             </a:pPr>
             <a:r>
-              <a:rPr lang="en-US" sz="3200" spc="-20" dirty="0" smtClean="0"/>
+              <a:rPr lang="en-US" sz="3200" spc="-20" dirty="0"/>
               <a:t>Queries:</a:t>
             </a:r>
             <a:endParaRPr sz="3200" spc="-5" dirty="0"/>
@@ -2634,8 +2567,8 @@
         </p:blipFill>
         <p:spPr>
           <a:xfrm>
-            <a:off x="0" y="1466215"/>
-            <a:ext cx="9144000" cy="4842785"/>
+            <a:off x="380999" y="1717429"/>
+            <a:ext cx="8382000" cy="4439220"/>
           </a:xfrm>
           <a:prstGeom prst="rect">
             <a:avLst/>
@@ -2754,7 +2687,7 @@
               </a:spcBef>
             </a:pPr>
             <a:r>
-              <a:rPr lang="en-US" sz="3600" spc="-20" dirty="0" smtClean="0"/>
+              <a:rPr lang="en-US" sz="3600" spc="-20" dirty="0"/>
               <a:t>Queries:</a:t>
             </a:r>
             <a:endParaRPr sz="3600" spc="-5" dirty="0"/>
@@ -2785,14 +2718,20 @@
       </p:pic>
       <p:pic>
         <p:nvPicPr>
-          <p:cNvPr id="12" name="Picture 11"/>
+          <p:cNvPr id="2" name="Content Placeholder 7">
+            <a:extLst>
+              <a:ext uri="{FF2B5EF4-FFF2-40B4-BE49-F238E27FC236}">
+                <a16:creationId xmlns:a16="http://schemas.microsoft.com/office/drawing/2014/main" id="{2529B1B1-024C-C054-7607-80B6FDBD68B6}"/>
+              </a:ext>
+            </a:extLst>
+          </p:cNvPr>
           <p:cNvPicPr>
             <a:picLocks noChangeAspect="1"/>
           </p:cNvPicPr>
           <p:nvPr/>
         </p:nvPicPr>
         <p:blipFill>
-          <a:blip r:embed="rId3">
+          <a:blip r:embed="rId3" cstate="print">
             <a:extLst>
               <a:ext uri="{28A0092B-C50C-407E-A947-70E740481C1C}">
                 <a14:useLocalDpi xmlns:a14="http://schemas.microsoft.com/office/drawing/2010/main" val="0"/>
@@ -2805,8 +2744,8 @@
         </p:blipFill>
         <p:spPr>
           <a:xfrm>
-            <a:off x="0" y="1447800"/>
-            <a:ext cx="9144000" cy="5297837"/>
+            <a:off x="753987" y="1582022"/>
+            <a:ext cx="7662929" cy="4760287"/>
           </a:xfrm>
           <a:prstGeom prst="rect">
             <a:avLst/>
@@ -2925,7 +2864,7 @@
               </a:spcBef>
             </a:pPr>
             <a:r>
-              <a:rPr lang="en-US" sz="3600" spc="-20" dirty="0" smtClean="0"/>
+              <a:rPr lang="en-US" sz="3600" spc="-20" dirty="0"/>
               <a:t>Queries:</a:t>
             </a:r>
             <a:endParaRPr sz="3600" spc="-5" dirty="0"/>
@@ -2976,8 +2915,8 @@
         </p:blipFill>
         <p:spPr>
           <a:xfrm>
-            <a:off x="0" y="1313813"/>
-            <a:ext cx="9144000" cy="5544187"/>
+            <a:off x="500973" y="1552485"/>
+            <a:ext cx="8168958" cy="4953000"/>
           </a:xfrm>
           <a:prstGeom prst="rect">
             <a:avLst/>
@@ -3261,14 +3200,7 @@
                 <a:latin typeface="Trebuchet MS"/>
                 <a:cs typeface="Trebuchet MS"/>
               </a:rPr>
-              <a:t>ATTENTION</a:t>
-            </a:r>
-            <a:r>
-              <a:rPr sz="5400" b="1" spc="-670" dirty="0" smtClean="0">
-                <a:latin typeface="Trebuchet MS"/>
-                <a:cs typeface="Trebuchet MS"/>
-              </a:rPr>
-              <a:t>!</a:t>
+              <a:t>ATTENTION!</a:t>
             </a:r>
             <a:endParaRPr sz="5400" dirty="0">
               <a:latin typeface="Trebuchet MS"/>
@@ -3337,7 +3269,7 @@
         <p:spPr>
           <a:xfrm>
             <a:off x="666347" y="1840928"/>
-            <a:ext cx="7590790" cy="3016210"/>
+            <a:ext cx="7590790" cy="2585323"/>
           </a:xfrm>
         </p:spPr>
         <p:txBody>
@@ -3352,17 +3284,11 @@
                 </a:solidFill>
                 <a:latin typeface="+mn-lt"/>
               </a:rPr>
-              <a:t>About this </a:t>
-            </a:r>
-            <a:r>
-              <a:rPr lang="en-US" b="0" u="sng" dirty="0" smtClean="0">
-                <a:solidFill>
-                  <a:schemeClr val="tx1"/>
-                </a:solidFill>
-                <a:latin typeface="+mn-lt"/>
-              </a:rPr>
-              <a:t>dataset:</a:t>
-            </a:r>
+              <a:t>About this dataset:</a:t>
+            </a:r>
+          </a:p>
+          <a:p>
+            <a:pPr algn="just" fontAlgn="base"/>
             <a:endParaRPr lang="en-US" b="0" u="sng" dirty="0">
               <a:solidFill>
                 <a:schemeClr val="tx1"/>
@@ -3373,40 +3299,13 @@
           <a:p>
             <a:pPr algn="just" fontAlgn="base"/>
             <a:r>
-              <a:rPr lang="en-US" b="0" dirty="0" smtClean="0">
-                <a:solidFill>
-                  <a:schemeClr val="tx1"/>
-                </a:solidFill>
-                <a:latin typeface="+mn-lt"/>
-              </a:rPr>
-              <a:t>	This </a:t>
-            </a:r>
-            <a:r>
               <a:rPr lang="en-US" b="0" dirty="0">
                 <a:solidFill>
                   <a:schemeClr val="tx1"/>
                 </a:solidFill>
                 <a:latin typeface="+mn-lt"/>
               </a:rPr>
-              <a:t>dataset contains information about </a:t>
-            </a:r>
-            <a:r>
-              <a:rPr lang="en-US" b="0" dirty="0" err="1">
-                <a:solidFill>
-                  <a:schemeClr val="tx1"/>
-                </a:solidFill>
-                <a:latin typeface="+mn-lt"/>
-              </a:rPr>
-              <a:t>Udemy</a:t>
-            </a:r>
-            <a:r>
-              <a:rPr lang="en-US" b="0" dirty="0">
-                <a:solidFill>
-                  <a:schemeClr val="tx1"/>
-                </a:solidFill>
-                <a:latin typeface="+mn-lt"/>
-              </a:rPr>
-              <a:t> courses in the Web Development category, including course title, URL, price, number of subscribers, number of reviews, number of lectures, course level, rating, content duration, published timestamp, and subject. </a:t>
+              <a:t>	This dataset contains information about Udemy courses from different departments, and also information about the subscribers and instructors of each course.</a:t>
             </a:r>
           </a:p>
         </p:txBody>
@@ -3416,13 +3315,6 @@
   <p:clrMapOvr>
     <a:masterClrMapping/>
   </p:clrMapOvr>
-  <p:timing>
-    <p:tnLst>
-      <p:par>
-        <p:cTn id="1" dur="indefinite" restart="never" nodeType="tmRoot"/>
-      </p:par>
-    </p:tnLst>
-  </p:timing>
 </p:sld>
 </file>
 
@@ -3523,7 +3415,7 @@
               </a:spcBef>
             </a:pPr>
             <a:r>
-              <a:rPr lang="en-US" spc="-20" dirty="0" smtClean="0"/>
+              <a:rPr lang="en-US" spc="-20" dirty="0"/>
               <a:t>Domain of the data</a:t>
             </a:r>
             <a:endParaRPr spc="-5" dirty="0"/>
@@ -3551,7 +3443,7 @@
           <a:lstStyle/>
           <a:p>
             <a:r>
-              <a:rPr lang="en-US" dirty="0" smtClean="0">
+              <a:rPr lang="en-US" dirty="0">
                 <a:solidFill>
                   <a:schemeClr val="tx1"/>
                 </a:solidFill>
@@ -3567,24 +3459,8 @@
                 </a:solidFill>
                 <a:hlinkClick r:id="rId2"/>
               </a:rPr>
-              <a:t>https://</a:t>
-            </a:r>
-            <a:r>
-              <a:rPr lang="en-US" dirty="0" smtClean="0">
-                <a:solidFill>
-                  <a:schemeClr val="tx1"/>
-                </a:solidFill>
-                <a:hlinkClick r:id="rId2"/>
-              </a:rPr>
-              <a:t>www.kaggle.com/datasets/thedevastator/udemy-courses-revenue-generation-and-course-anal</a:t>
-            </a:r>
-            <a:endParaRPr lang="en-US" dirty="0" smtClean="0">
-              <a:solidFill>
-                <a:schemeClr val="tx1"/>
-              </a:solidFill>
-            </a:endParaRPr>
-          </a:p>
-          <a:p>
+              <a:t>https://www.kaggle.com/datasets/thedevastator/udemy-courses-revenue-generation-and-course-anal</a:t>
+            </a:r>
             <a:endParaRPr lang="en-US" dirty="0">
               <a:solidFill>
                 <a:schemeClr val="tx1"/>
@@ -3592,37 +3468,6 @@
             </a:endParaRPr>
           </a:p>
           <a:p>
-            <a:r>
-              <a:rPr lang="en-US" dirty="0" smtClean="0">
-                <a:solidFill>
-                  <a:schemeClr val="tx1"/>
-                </a:solidFill>
-              </a:rPr>
-              <a:t>Ontology Name: </a:t>
-            </a:r>
-            <a:r>
-              <a:rPr lang="en-US" dirty="0" err="1" smtClean="0">
-                <a:solidFill>
-                  <a:schemeClr val="tx1"/>
-                </a:solidFill>
-              </a:rPr>
-              <a:t>Udemy</a:t>
-            </a:r>
-            <a:r>
-              <a:rPr lang="en-US" dirty="0" smtClean="0">
-                <a:solidFill>
-                  <a:schemeClr val="tx1"/>
-                </a:solidFill>
-              </a:rPr>
-              <a:t>-Courses</a:t>
-            </a:r>
-            <a:endParaRPr lang="en-US" dirty="0" smtClean="0">
-              <a:solidFill>
-                <a:schemeClr val="tx1"/>
-              </a:solidFill>
-            </a:endParaRPr>
-          </a:p>
-          <a:p>
             <a:endParaRPr lang="en-US" dirty="0">
               <a:solidFill>
                 <a:schemeClr val="tx1"/>
@@ -3630,7 +3475,40 @@
             </a:endParaRPr>
           </a:p>
           <a:p>
-            <a:endParaRPr lang="en-US" dirty="0" smtClean="0">
+            <a:r>
+              <a:rPr lang="en-US" dirty="0">
+                <a:solidFill>
+                  <a:schemeClr val="tx1"/>
+                </a:solidFill>
+              </a:rPr>
+              <a:t>Ontology Name: </a:t>
+            </a:r>
+            <a:r>
+              <a:rPr lang="en-US" dirty="0" err="1">
+                <a:solidFill>
+                  <a:schemeClr val="tx1"/>
+                </a:solidFill>
+              </a:rPr>
+              <a:t>Udemy</a:t>
+            </a:r>
+            <a:r>
+              <a:rPr lang="en-US" dirty="0">
+                <a:solidFill>
+                  <a:schemeClr val="tx1"/>
+                </a:solidFill>
+              </a:rPr>
+              <a:t>-Courses</a:t>
+            </a:r>
+          </a:p>
+          <a:p>
+            <a:endParaRPr lang="en-US" dirty="0">
+              <a:solidFill>
+                <a:schemeClr val="tx1"/>
+              </a:solidFill>
+            </a:endParaRPr>
+          </a:p>
+          <a:p>
+            <a:endParaRPr lang="en-US" dirty="0">
               <a:solidFill>
                 <a:schemeClr val="tx1"/>
               </a:solidFill>
@@ -3675,13 +3553,6 @@
   <p:transition spd="med">
     <p:fade/>
   </p:transition>
-  <p:timing>
-    <p:tnLst>
-      <p:par>
-        <p:cTn id="1" dur="indefinite" restart="never" nodeType="tmRoot"/>
-      </p:par>
-    </p:tnLst>
-  </p:timing>
 </p:sld>
 </file>
 
@@ -3782,7 +3653,7 @@
               </a:spcBef>
             </a:pPr>
             <a:r>
-              <a:rPr lang="en-US" sz="3200" spc="-20" dirty="0" smtClean="0"/>
+              <a:rPr lang="en-US" sz="3200" spc="-20" dirty="0"/>
               <a:t>Visual Model</a:t>
             </a:r>
             <a:endParaRPr sz="3200" spc="-5" dirty="0"/>
@@ -3833,8 +3704,8 @@
         </p:blipFill>
         <p:spPr>
           <a:xfrm>
-            <a:off x="206388" y="1590905"/>
-            <a:ext cx="8600171" cy="5056745"/>
+            <a:off x="653061" y="1456355"/>
+            <a:ext cx="7837876" cy="4608529"/>
           </a:xfrm>
           <a:prstGeom prst="rect">
             <a:avLst/>
@@ -3849,13 +3720,6 @@
   <p:transition spd="med">
     <p:fade/>
   </p:transition>
-  <p:timing>
-    <p:tnLst>
-      <p:par>
-        <p:cTn id="1" dur="indefinite" restart="never" nodeType="tmRoot"/>
-      </p:par>
-    </p:tnLst>
-  </p:timing>
 </p:sld>
 </file>
 
@@ -4002,7 +3866,7 @@
               </a:spcBef>
             </a:pPr>
             <a:r>
-              <a:rPr lang="en-US" sz="3200" spc="-20" dirty="0" smtClean="0"/>
+              <a:rPr lang="en-US" sz="3200" spc="-20" dirty="0"/>
               <a:t>Ontology Graph</a:t>
             </a:r>
             <a:endParaRPr sz="3200" spc="-5" dirty="0"/>
@@ -4069,13 +3933,6 @@
   <p:transition spd="med">
     <p:fade/>
   </p:transition>
-  <p:timing>
-    <p:tnLst>
-      <p:par>
-        <p:cTn id="1" dur="indefinite" restart="never" nodeType="tmRoot"/>
-      </p:par>
-    </p:tnLst>
-  </p:timing>
 </p:sld>
 </file>
 
@@ -4132,7 +3989,7 @@
               </a:tabLst>
             </a:pPr>
             <a:r>
-              <a:rPr lang="en-US" b="1" spc="-5" dirty="0" smtClean="0">
+              <a:rPr lang="en-US" b="1" spc="-5" dirty="0">
                 <a:latin typeface="Arial"/>
                 <a:cs typeface="Arial"/>
               </a:rPr>
@@ -4155,7 +4012,7 @@
               </a:tabLst>
             </a:pPr>
             <a:r>
-              <a:rPr lang="en-US" sz="1800" b="1" spc="-5" dirty="0" smtClean="0">
+              <a:rPr lang="en-US" sz="1800" b="1" spc="-5" dirty="0">
                 <a:latin typeface="Arial"/>
                 <a:cs typeface="Arial"/>
               </a:rPr>
@@ -4178,7 +4035,7 @@
               </a:tabLst>
             </a:pPr>
             <a:r>
-              <a:rPr lang="en-US" b="1" spc="-5" dirty="0" smtClean="0">
+              <a:rPr lang="en-US" b="1" spc="-5" dirty="0">
                 <a:latin typeface="Arial"/>
                 <a:cs typeface="Arial"/>
               </a:rPr>
@@ -4201,7 +4058,7 @@
               </a:tabLst>
             </a:pPr>
             <a:r>
-              <a:rPr lang="en-US" sz="1800" b="1" spc="-5" dirty="0" smtClean="0">
+              <a:rPr lang="en-US" sz="1800" b="1" spc="-5" dirty="0">
                 <a:latin typeface="Arial"/>
                 <a:cs typeface="Arial"/>
               </a:rPr>
@@ -4310,32 +4167,18 @@
               </a:rPr>
               <a:t>Here we have 4 </a:t>
             </a:r>
-            <a:r>
-              <a:rPr lang="en-US" b="1" spc="-5" dirty="0" smtClean="0">
-                <a:latin typeface="Arial"/>
-                <a:cs typeface="Arial"/>
-              </a:rPr>
-              <a:t/>
-            </a:r>
             <a:br>
-              <a:rPr lang="en-US" b="1" spc="-5" dirty="0" smtClean="0">
-                <a:latin typeface="Arial"/>
-                <a:cs typeface="Arial"/>
-              </a:rPr>
-            </a:br>
-            <a:r>
-              <a:rPr lang="en-US" b="1" spc="-5" dirty="0" smtClean="0">
-                <a:latin typeface="Arial"/>
-                <a:cs typeface="Arial"/>
-              </a:rPr>
-              <a:t>main </a:t>
-            </a:r>
-            <a:r>
               <a:rPr lang="en-US" b="1" spc="-5" dirty="0">
                 <a:latin typeface="Arial"/>
                 <a:cs typeface="Arial"/>
               </a:rPr>
-              <a:t>classes:</a:t>
+            </a:br>
+            <a:r>
+              <a:rPr lang="en-US" b="1" spc="-5" dirty="0">
+                <a:latin typeface="Arial"/>
+                <a:cs typeface="Arial"/>
+              </a:rPr>
+              <a:t>main classes:</a:t>
             </a:r>
           </a:p>
         </p:txBody>
@@ -4378,8 +4221,8 @@
         </p:blipFill>
         <p:spPr>
           <a:xfrm>
-            <a:off x="61912" y="2652325"/>
-            <a:ext cx="9020175" cy="4205675"/>
+            <a:off x="619530" y="2652324"/>
+            <a:ext cx="7850268" cy="3660203"/>
           </a:xfrm>
           <a:prstGeom prst="rect">
             <a:avLst/>
@@ -4394,13 +4237,6 @@
   <p:transition spd="med">
     <p:fade/>
   </p:transition>
-  <p:timing>
-    <p:tnLst>
-      <p:par>
-        <p:cTn id="1" dur="indefinite" restart="never" nodeType="tmRoot"/>
-      </p:par>
-    </p:tnLst>
-  </p:timing>
 </p:sld>
 </file>
 
@@ -4421,28 +4257,6 @@
           <a:chExt cx="0" cy="0"/>
         </a:xfrm>
       </p:grpSpPr>
-      <p:pic>
-        <p:nvPicPr>
-          <p:cNvPr id="2" name="object 2"/>
-          <p:cNvPicPr/>
-          <p:nvPr/>
-        </p:nvPicPr>
-        <p:blipFill>
-          <a:blip r:embed="rId2" cstate="print"/>
-          <a:stretch>
-            <a:fillRect/>
-          </a:stretch>
-        </p:blipFill>
-        <p:spPr>
-          <a:xfrm>
-            <a:off x="460248" y="68715"/>
-            <a:ext cx="2299716" cy="1028699"/>
-          </a:xfrm>
-          <a:prstGeom prst="rect">
-            <a:avLst/>
-          </a:prstGeom>
-        </p:spPr>
-      </p:pic>
       <p:sp>
         <p:nvSpPr>
           <p:cNvPr id="3" name="object 3"/>
@@ -4481,7 +4295,7 @@
               </a:tabLst>
             </a:pPr>
             <a:r>
-              <a:rPr lang="en-US" sz="2000" dirty="0" smtClean="0">
+              <a:rPr lang="en-US" sz="2000" dirty="0">
                 <a:latin typeface="Arial MT"/>
                 <a:cs typeface="Arial MT"/>
               </a:rPr>
@@ -4506,7 +4320,7 @@
               </a:tabLst>
             </a:pPr>
             <a:r>
-              <a:rPr lang="en-US" sz="2000" dirty="0" smtClean="0">
+              <a:rPr lang="en-US" sz="2000" dirty="0">
                 <a:latin typeface="Arial MT"/>
                 <a:cs typeface="Arial MT"/>
               </a:rPr>
@@ -4531,21 +4345,21 @@
               </a:tabLst>
             </a:pPr>
             <a:r>
-              <a:rPr lang="en-US" sz="2000" dirty="0" smtClean="0">
+              <a:rPr lang="en-US" sz="2000" dirty="0">
                 <a:latin typeface="Arial MT"/>
                 <a:cs typeface="Arial MT"/>
               </a:rPr>
               <a:t>For example course is ‘</a:t>
             </a:r>
             <a:r>
-              <a:rPr lang="en-US" sz="2000" dirty="0" err="1" smtClean="0">
+              <a:rPr lang="en-US" sz="2000" dirty="0" err="1">
                 <a:latin typeface="Arial MT"/>
                 <a:cs typeface="Arial MT"/>
               </a:rPr>
               <a:t>belongTo</a:t>
             </a:r>
             <a:r>
-              <a:rPr lang="en-US" sz="2000" dirty="0" smtClean="0">
+              <a:rPr lang="en-US" sz="2000" dirty="0">
                 <a:latin typeface="Arial MT"/>
                 <a:cs typeface="Arial MT"/>
               </a:rPr>
@@ -4570,14 +4384,14 @@
               </a:tabLst>
             </a:pPr>
             <a:r>
-              <a:rPr lang="en-US" sz="2000" dirty="0" smtClean="0">
+              <a:rPr lang="en-US" sz="2000" dirty="0">
                 <a:latin typeface="Arial MT"/>
                 <a:cs typeface="Arial MT"/>
               </a:rPr>
               <a:t>And graphically we represent it with </a:t>
             </a:r>
             <a:r>
-              <a:rPr lang="en-US" sz="2000" dirty="0" err="1" smtClean="0">
+              <a:rPr lang="en-US" sz="2000" dirty="0" err="1">
                 <a:latin typeface="Arial MT"/>
                 <a:cs typeface="Arial MT"/>
               </a:rPr>
@@ -4612,10 +4426,9 @@
           <a:p>
             <a:pPr algn="r"/>
             <a:r>
-              <a:rPr lang="en-US" sz="2800" dirty="0" smtClean="0"/>
+              <a:rPr lang="en-US" sz="2800" dirty="0"/>
               <a:t>INDIVIDUAL:</a:t>
             </a:r>
-            <a:endParaRPr lang="en-US" sz="2800" dirty="0"/>
           </a:p>
         </p:txBody>
       </p:sp>
@@ -4628,7 +4441,7 @@
           <p:nvPr/>
         </p:nvPicPr>
         <p:blipFill>
-          <a:blip r:embed="rId3"/>
+          <a:blip r:embed="rId2"/>
           <a:stretch>
             <a:fillRect/>
           </a:stretch>
@@ -4698,21 +4511,21 @@
               </a:spcBef>
             </a:pPr>
             <a:r>
-              <a:rPr lang="en-US" sz="2400" b="1" spc="-5" dirty="0" smtClean="0">
+              <a:rPr lang="en-US" sz="2400" b="1" spc="-5" dirty="0">
                 <a:latin typeface="Arial"/>
                 <a:cs typeface="Arial"/>
               </a:rPr>
               <a:t>We have a property called “</a:t>
             </a:r>
             <a:r>
-              <a:rPr lang="en-US" sz="2400" b="1" spc="-5" dirty="0" err="1" smtClean="0">
+              <a:rPr lang="en-US" sz="2400" b="1" spc="-5" dirty="0" err="1">
                 <a:latin typeface="Arial"/>
                 <a:cs typeface="Arial"/>
               </a:rPr>
               <a:t>belongsTo</a:t>
             </a:r>
             <a:r>
-              <a:rPr lang="en-US" sz="2400" b="1" spc="-5" dirty="0" smtClean="0">
+              <a:rPr lang="en-US" sz="2400" b="1" spc="-5" dirty="0">
                 <a:latin typeface="Arial"/>
                 <a:cs typeface="Arial"/>
               </a:rPr>
@@ -5158,7 +4971,7 @@
               </a:spcBef>
             </a:pPr>
             <a:r>
-              <a:rPr lang="en-US" sz="3200" dirty="0" smtClean="0"/>
+              <a:rPr lang="en-US" sz="3200" dirty="0"/>
               <a:t>Properties:</a:t>
             </a:r>
             <a:endParaRPr sz="3200" spc="-5" dirty="0"/>
@@ -5283,10 +5096,9 @@
           <a:p>
             <a:pPr algn="r"/>
             <a:r>
-              <a:rPr lang="en-US" sz="3200" dirty="0" smtClean="0"/>
+              <a:rPr lang="en-US" sz="3200" dirty="0"/>
               <a:t>Attributes:</a:t>
             </a:r>
-            <a:endParaRPr lang="en-US" sz="3200" dirty="0"/>
           </a:p>
         </p:txBody>
       </p:sp>
@@ -5316,21 +5128,8 @@
                   <a:schemeClr val="tx1"/>
                 </a:solidFill>
               </a:rPr>
-              <a:t>describe the objects in the </a:t>
-            </a:r>
-            <a:r>
-              <a:rPr lang="en-US" b="0" dirty="0" smtClean="0">
-                <a:solidFill>
-                  <a:schemeClr val="tx1"/>
-                </a:solidFill>
-              </a:rPr>
-              <a:t>ontology and it is called data properties</a:t>
-            </a:r>
-            <a:endParaRPr lang="en-US" b="0" dirty="0">
-              <a:solidFill>
-                <a:schemeClr val="tx1"/>
-              </a:solidFill>
-            </a:endParaRPr>
+              <a:t>Describe the objects in the ontology and they are called data properties</a:t>
+            </a:r>
           </a:p>
         </p:txBody>
       </p:sp>

--- a/presentation.pptx
+++ b/presentation.pptx
@@ -292,7 +292,7 @@
           <a:p>
             <a:fld id="{1D8BD707-D9CF-40AE-B4C6-C98DA3205C09}" type="datetimeFigureOut">
               <a:rPr lang="en-US"/>
-              <a:t>12/21/22</a:t>
+              <a:t>12/20/2022</a:t>
             </a:fld>
             <a:endParaRPr lang="en-US"/>
           </a:p>
@@ -469,7 +469,7 @@
           <a:p>
             <a:fld id="{1D8BD707-D9CF-40AE-B4C6-C98DA3205C09}" type="datetimeFigureOut">
               <a:rPr lang="en-US"/>
-              <a:t>12/21/22</a:t>
+              <a:t>12/20/2022</a:t>
             </a:fld>
             <a:endParaRPr lang="en-US"/>
           </a:p>
@@ -683,7 +683,7 @@
           <a:p>
             <a:fld id="{1D8BD707-D9CF-40AE-B4C6-C98DA3205C09}" type="datetimeFigureOut">
               <a:rPr lang="en-US"/>
-              <a:t>12/21/22</a:t>
+              <a:t>12/20/2022</a:t>
             </a:fld>
             <a:endParaRPr lang="en-US"/>
           </a:p>
@@ -911,7 +911,7 @@
           <a:p>
             <a:fld id="{1D8BD707-D9CF-40AE-B4C6-C98DA3205C09}" type="datetimeFigureOut">
               <a:rPr lang="en-US"/>
-              <a:t>12/21/22</a:t>
+              <a:t>12/20/2022</a:t>
             </a:fld>
             <a:endParaRPr lang="en-US"/>
           </a:p>
@@ -1030,7 +1030,7 @@
           <a:p>
             <a:fld id="{1D8BD707-D9CF-40AE-B4C6-C98DA3205C09}" type="datetimeFigureOut">
               <a:rPr lang="en-US"/>
-              <a:t>12/21/22</a:t>
+              <a:t>12/20/2022</a:t>
             </a:fld>
             <a:endParaRPr lang="en-US"/>
           </a:p>
@@ -1305,7 +1305,7 @@
           <a:p>
             <a:fld id="{1D8BD707-D9CF-40AE-B4C6-C98DA3205C09}" type="datetimeFigureOut">
               <a:rPr lang="en-US"/>
-              <a:t>12/21/22</a:t>
+              <a:t>12/20/2022</a:t>
             </a:fld>
             <a:endParaRPr lang="en-US"/>
           </a:p>
@@ -1554,7 +1554,7 @@
               </a:spcBef>
             </a:pPr>
             <a:r>
-              <a:rPr lang="en-US" sz="4800" b="1" i="1" dirty="0">
+              <a:rPr lang="en-US" sz="4800" b="1" i="1" dirty="0" smtClean="0">
                 <a:solidFill>
                   <a:srgbClr val="002E8A"/>
                 </a:solidFill>
@@ -1600,28 +1600,28 @@
               </a:spcBef>
             </a:pPr>
             <a:r>
-              <a:rPr lang="en-US" sz="2400" dirty="0">
+              <a:rPr lang="en-US" sz="2400" dirty="0" smtClean="0">
                 <a:latin typeface="Arial"/>
                 <a:cs typeface="Arial"/>
               </a:rPr>
               <a:t>PROJECT NAME</a:t>
             </a:r>
             <a:r>
-              <a:rPr lang="en-US" sz="2400" i="1" dirty="0">
+              <a:rPr lang="en-US" sz="2400" i="1" dirty="0" smtClean="0">
                 <a:latin typeface="Arial"/>
                 <a:cs typeface="Arial"/>
               </a:rPr>
               <a:t>: DB2-2022-2023(</a:t>
             </a:r>
             <a:r>
-              <a:rPr lang="en-US" sz="2400" i="1" dirty="0" err="1">
+              <a:rPr lang="en-US" sz="2400" i="1" dirty="0" err="1" smtClean="0">
                 <a:latin typeface="Arial"/>
                 <a:cs typeface="Arial"/>
               </a:rPr>
               <a:t>Udemy</a:t>
             </a:r>
             <a:r>
-              <a:rPr lang="en-US" sz="2400" i="1" dirty="0">
+              <a:rPr lang="en-US" sz="2400" i="1" dirty="0" smtClean="0">
                 <a:latin typeface="Arial"/>
                 <a:cs typeface="Arial"/>
               </a:rPr>
@@ -1638,7 +1638,7 @@
               </a:spcBef>
             </a:pPr>
             <a:r>
-              <a:rPr lang="en-US" sz="2400" b="1" dirty="0"/>
+              <a:rPr lang="en-US" sz="2400" b="1" dirty="0" smtClean="0"/>
               <a:t>(Group Members)</a:t>
             </a:r>
             <a:endParaRPr lang="en-US" sz="2400" dirty="0">
@@ -1656,7 +1656,7 @@
               </a:spcBef>
             </a:pPr>
             <a:r>
-              <a:rPr lang="en-US" sz="2400" dirty="0">
+              <a:rPr lang="en-US" sz="2400" dirty="0" smtClean="0">
                 <a:latin typeface="Arial"/>
                 <a:cs typeface="Arial"/>
               </a:rPr>
@@ -1673,33 +1673,37 @@
               </a:spcBef>
             </a:pPr>
             <a:r>
-              <a:rPr lang="en-US" sz="2400" dirty="0" err="1">
+              <a:rPr lang="en-US" sz="2400" dirty="0" err="1" smtClean="0">
                 <a:latin typeface="Arial"/>
                 <a:cs typeface="Arial"/>
               </a:rPr>
               <a:t>Rajmonda</a:t>
+            </a:r>
+            <a:r>
+              <a:rPr lang="en-US" sz="2400" dirty="0" smtClean="0">
+                <a:latin typeface="Arial"/>
+                <a:cs typeface="Arial"/>
+              </a:rPr>
+              <a:t> </a:t>
+            </a:r>
+            <a:r>
+              <a:rPr lang="en-US" sz="2400" dirty="0" err="1" smtClean="0">
+                <a:latin typeface="Arial"/>
+                <a:cs typeface="Arial"/>
+              </a:rPr>
+              <a:t>Bardhi</a:t>
             </a:r>
             <a:r>
               <a:rPr lang="en-US" sz="2400" dirty="0">
                 <a:latin typeface="Arial"/>
                 <a:cs typeface="Arial"/>
               </a:rPr>
-              <a:t> </a:t>
-            </a:r>
-            <a:r>
-              <a:rPr lang="en-US" sz="2400" dirty="0" err="1">
-                <a:latin typeface="Arial"/>
-                <a:cs typeface="Arial"/>
-              </a:rPr>
-              <a:t>Bardhi</a:t>
-            </a:r>
-            <a:r>
-              <a:rPr lang="en-US" sz="2400" dirty="0">
-                <a:latin typeface="Arial"/>
-                <a:cs typeface="Arial"/>
-              </a:rPr>
               <a:t> (2071810)</a:t>
             </a:r>
+            <a:endParaRPr lang="en-US" sz="2400" dirty="0" smtClean="0">
+              <a:latin typeface="Arial"/>
+              <a:cs typeface="Arial"/>
+            </a:endParaRPr>
           </a:p>
           <a:p>
             <a:pPr marL="12700" algn="ctr">
@@ -1729,7 +1733,14 @@
                 <a:latin typeface="Arial"/>
                 <a:cs typeface="Arial"/>
               </a:rPr>
-              <a:t> (2005495)</a:t>
+              <a:t> (2005495</a:t>
+            </a:r>
+            <a:r>
+              <a:rPr lang="en-US" sz="2400" dirty="0" smtClean="0">
+                <a:latin typeface="Arial"/>
+                <a:cs typeface="Arial"/>
+              </a:rPr>
+              <a:t>)</a:t>
             </a:r>
           </a:p>
           <a:p>
@@ -1742,21 +1753,21 @@
               </a:spcBef>
             </a:pPr>
             <a:r>
-              <a:rPr lang="en-US" sz="2400" dirty="0">
+              <a:rPr lang="en-US" sz="2400" dirty="0" smtClean="0">
                 <a:latin typeface="Arial"/>
                 <a:cs typeface="Arial"/>
               </a:rPr>
               <a:t>Carlos </a:t>
             </a:r>
             <a:r>
-              <a:rPr lang="en-US" sz="2400" dirty="0" err="1">
+              <a:rPr lang="en-US" sz="2400" dirty="0" err="1" smtClean="0">
                 <a:latin typeface="Arial"/>
                 <a:cs typeface="Arial"/>
               </a:rPr>
               <a:t>Alcantud</a:t>
             </a:r>
             <a:r>
-              <a:rPr lang="en-US" sz="2400" dirty="0">
+              <a:rPr lang="en-US" sz="2400" dirty="0" smtClean="0">
                 <a:latin typeface="Arial"/>
                 <a:cs typeface="Arial"/>
               </a:rPr>
@@ -1770,6 +1781,13 @@
   <p:clrMapOvr>
     <a:masterClrMapping/>
   </p:clrMapOvr>
+  <p:timing>
+    <p:tnLst>
+      <p:par>
+        <p:cTn id="1" dur="indefinite" restart="never" nodeType="tmRoot"/>
+      </p:par>
+    </p:tnLst>
+  </p:timing>
 </p:sld>
 </file>
 
@@ -1824,7 +1842,7 @@
               </a:spcBef>
             </a:pPr>
             <a:r>
-              <a:rPr lang="en-US" sz="3200" spc="-5" dirty="0"/>
+              <a:rPr lang="en-US" sz="3200" spc="-5" dirty="0" smtClean="0"/>
               <a:t>Disjoint:</a:t>
             </a:r>
             <a:endParaRPr sz="3200" spc="-10" dirty="0"/>
@@ -1883,8 +1901,24 @@
               </a:spcBef>
             </a:pPr>
             <a:r>
+              <a:rPr lang="en-US" sz="2800" dirty="0" smtClean="0"/>
+              <a:t>We must </a:t>
+            </a:r>
+            <a:r>
               <a:rPr lang="en-US" sz="2800" dirty="0"/>
-              <a:t>We must make disjoint from one another if we keep classes separate.</a:t>
+              <a:t>make </a:t>
+            </a:r>
+            <a:r>
+              <a:rPr lang="en-US" sz="2800" dirty="0" smtClean="0"/>
+              <a:t>disjoint </a:t>
+            </a:r>
+            <a:r>
+              <a:rPr lang="en-US" sz="2800" dirty="0"/>
+              <a:t>from one </a:t>
+            </a:r>
+            <a:r>
+              <a:rPr lang="en-US" sz="2800" dirty="0" smtClean="0"/>
+              <a:t>another if we keep classes separate.</a:t>
             </a:r>
             <a:endParaRPr sz="2800" dirty="0">
               <a:latin typeface="Arial"/>
@@ -1998,7 +2032,7 @@
               </a:spcBef>
             </a:pPr>
             <a:r>
-              <a:rPr lang="en-US" sz="4000" b="1" spc="-10" dirty="0" err="1">
+              <a:rPr lang="en-US" sz="4000" b="1" spc="-10" dirty="0" err="1" smtClean="0">
                 <a:solidFill>
                   <a:srgbClr val="C00000"/>
                 </a:solidFill>
@@ -2008,7 +2042,7 @@
               <a:t>Jupytor</a:t>
             </a:r>
             <a:r>
-              <a:rPr lang="en-US" sz="4000" b="1" spc="-10" dirty="0">
+              <a:rPr lang="en-US" sz="4000" b="1" spc="-10" dirty="0" smtClean="0">
                 <a:solidFill>
                   <a:srgbClr val="C00000"/>
                 </a:solidFill>
@@ -2219,7 +2253,7 @@
               </a:tabLst>
             </a:pPr>
             <a:r>
-              <a:rPr lang="en-US" sz="2400" dirty="0">
+              <a:rPr lang="en-US" sz="2400" dirty="0" smtClean="0">
                 <a:latin typeface="Calibri"/>
                 <a:cs typeface="Calibri"/>
               </a:rPr>
@@ -2266,7 +2300,7 @@
               </a:spcBef>
             </a:pPr>
             <a:r>
-              <a:rPr lang="en-US" sz="2800" spc="-5" dirty="0"/>
+              <a:rPr lang="en-US" sz="2800" spc="-5" dirty="0" smtClean="0"/>
               <a:t>Data Cleaning:</a:t>
             </a:r>
             <a:endParaRPr sz="2800" dirty="0"/>
@@ -2516,7 +2550,7 @@
               </a:spcBef>
             </a:pPr>
             <a:r>
-              <a:rPr lang="en-US" sz="3200" spc="-20" dirty="0"/>
+              <a:rPr lang="en-US" sz="3200" spc="-20" dirty="0" smtClean="0"/>
               <a:t>Queries:</a:t>
             </a:r>
             <a:endParaRPr sz="3200" spc="-5" dirty="0"/>
@@ -2567,8 +2601,8 @@
         </p:blipFill>
         <p:spPr>
           <a:xfrm>
-            <a:off x="380999" y="1717429"/>
-            <a:ext cx="8382000" cy="4439220"/>
+            <a:off x="0" y="1466215"/>
+            <a:ext cx="9144000" cy="4842785"/>
           </a:xfrm>
           <a:prstGeom prst="rect">
             <a:avLst/>
@@ -2687,7 +2721,7 @@
               </a:spcBef>
             </a:pPr>
             <a:r>
-              <a:rPr lang="en-US" sz="3600" spc="-20" dirty="0"/>
+              <a:rPr lang="en-US" sz="3600" spc="-20" dirty="0" smtClean="0"/>
               <a:t>Queries:</a:t>
             </a:r>
             <a:endParaRPr sz="3600" spc="-5" dirty="0"/>
@@ -2718,20 +2752,14 @@
       </p:pic>
       <p:pic>
         <p:nvPicPr>
-          <p:cNvPr id="2" name="Content Placeholder 7">
-            <a:extLst>
-              <a:ext uri="{FF2B5EF4-FFF2-40B4-BE49-F238E27FC236}">
-                <a16:creationId xmlns:a16="http://schemas.microsoft.com/office/drawing/2014/main" id="{2529B1B1-024C-C054-7607-80B6FDBD68B6}"/>
-              </a:ext>
-            </a:extLst>
-          </p:cNvPr>
+          <p:cNvPr id="12" name="Picture 11"/>
           <p:cNvPicPr>
             <a:picLocks noChangeAspect="1"/>
           </p:cNvPicPr>
           <p:nvPr/>
         </p:nvPicPr>
         <p:blipFill>
-          <a:blip r:embed="rId3" cstate="print">
+          <a:blip r:embed="rId3">
             <a:extLst>
               <a:ext uri="{28A0092B-C50C-407E-A947-70E740481C1C}">
                 <a14:useLocalDpi xmlns:a14="http://schemas.microsoft.com/office/drawing/2010/main" val="0"/>
@@ -2744,8 +2772,8 @@
         </p:blipFill>
         <p:spPr>
           <a:xfrm>
-            <a:off x="753987" y="1582022"/>
-            <a:ext cx="7662929" cy="4760287"/>
+            <a:off x="0" y="1447800"/>
+            <a:ext cx="9144000" cy="5297837"/>
           </a:xfrm>
           <a:prstGeom prst="rect">
             <a:avLst/>
@@ -2864,7 +2892,7 @@
               </a:spcBef>
             </a:pPr>
             <a:r>
-              <a:rPr lang="en-US" sz="3600" spc="-20" dirty="0"/>
+              <a:rPr lang="en-US" sz="3600" spc="-20" dirty="0" smtClean="0"/>
               <a:t>Queries:</a:t>
             </a:r>
             <a:endParaRPr sz="3600" spc="-5" dirty="0"/>
@@ -2915,8 +2943,8 @@
         </p:blipFill>
         <p:spPr>
           <a:xfrm>
-            <a:off x="500973" y="1552485"/>
-            <a:ext cx="8168958" cy="4953000"/>
+            <a:off x="0" y="1313813"/>
+            <a:ext cx="9144000" cy="5544187"/>
           </a:xfrm>
           <a:prstGeom prst="rect">
             <a:avLst/>
@@ -3200,7 +3228,14 @@
                 <a:latin typeface="Trebuchet MS"/>
                 <a:cs typeface="Trebuchet MS"/>
               </a:rPr>
-              <a:t>ATTENTION!</a:t>
+              <a:t>ATTENTION</a:t>
+            </a:r>
+            <a:r>
+              <a:rPr sz="5400" b="1" spc="-670" dirty="0" smtClean="0">
+                <a:latin typeface="Trebuchet MS"/>
+                <a:cs typeface="Trebuchet MS"/>
+              </a:rPr>
+              <a:t>!</a:t>
             </a:r>
             <a:endParaRPr sz="5400" dirty="0">
               <a:latin typeface="Trebuchet MS"/>
@@ -3268,8 +3303,8 @@
         </p:nvSpPr>
         <p:spPr>
           <a:xfrm>
-            <a:off x="666347" y="1840928"/>
-            <a:ext cx="7590790" cy="2585323"/>
+            <a:off x="460248" y="1840928"/>
+            <a:ext cx="7796889" cy="3447098"/>
           </a:xfrm>
         </p:spPr>
         <p:txBody>
@@ -3284,11 +3319,17 @@
                 </a:solidFill>
                 <a:latin typeface="+mn-lt"/>
               </a:rPr>
-              <a:t>About this dataset:</a:t>
-            </a:r>
-          </a:p>
-          <a:p>
-            <a:pPr algn="just" fontAlgn="base"/>
+              <a:t>About this </a:t>
+            </a:r>
+            <a:r>
+              <a:rPr lang="en-US" b="0" u="sng" dirty="0" smtClean="0">
+                <a:solidFill>
+                  <a:schemeClr val="tx1"/>
+                </a:solidFill>
+                <a:latin typeface="+mn-lt"/>
+              </a:rPr>
+              <a:t>dataset:</a:t>
+            </a:r>
             <a:endParaRPr lang="en-US" b="0" u="sng" dirty="0">
               <a:solidFill>
                 <a:schemeClr val="tx1"/>
@@ -3299,13 +3340,58 @@
           <a:p>
             <a:pPr algn="just" fontAlgn="base"/>
             <a:r>
+              <a:rPr lang="en-US" b="0" dirty="0" smtClean="0">
+                <a:solidFill>
+                  <a:schemeClr val="tx1"/>
+                </a:solidFill>
+                <a:latin typeface="+mn-lt"/>
+              </a:rPr>
+              <a:t>	This </a:t>
+            </a:r>
+            <a:r>
               <a:rPr lang="en-US" b="0" dirty="0">
                 <a:solidFill>
                   <a:schemeClr val="tx1"/>
                 </a:solidFill>
                 <a:latin typeface="+mn-lt"/>
               </a:rPr>
-              <a:t>	This dataset contains information about Udemy courses from different departments, and also information about the subscribers and instructors of each course.</a:t>
+              <a:t>dataset contains information about </a:t>
+            </a:r>
+            <a:r>
+              <a:rPr lang="en-US" b="0" dirty="0" err="1">
+                <a:solidFill>
+                  <a:schemeClr val="tx1"/>
+                </a:solidFill>
+                <a:latin typeface="+mn-lt"/>
+              </a:rPr>
+              <a:t>Udemy</a:t>
+            </a:r>
+            <a:r>
+              <a:rPr lang="en-US" b="0" dirty="0">
+                <a:solidFill>
+                  <a:schemeClr val="tx1"/>
+                </a:solidFill>
+                <a:latin typeface="+mn-lt"/>
+              </a:rPr>
+              <a:t> courses in the Web </a:t>
+            </a:r>
+            <a:r>
+              <a:rPr lang="en-US" b="0" dirty="0" smtClean="0">
+                <a:solidFill>
+                  <a:schemeClr val="tx1"/>
+                </a:solidFill>
+                <a:latin typeface="+mn-lt"/>
+              </a:rPr>
+              <a:t>Development, business Finance, graphic design and Musical Instrument </a:t>
+            </a:r>
+            <a:r>
+              <a:rPr lang="en-US" b="0" dirty="0">
+                <a:solidFill>
+                  <a:schemeClr val="tx1"/>
+                </a:solidFill>
+                <a:latin typeface="+mn-lt"/>
+              </a:rPr>
+              <a:t>category, including course title, URL, price, number of subscribers, number of reviews, number of lectures, course level, rating, content duration, published timestamp, and subject. </a:t>
             </a:r>
           </a:p>
         </p:txBody>
@@ -3315,6 +3401,13 @@
   <p:clrMapOvr>
     <a:masterClrMapping/>
   </p:clrMapOvr>
+  <p:timing>
+    <p:tnLst>
+      <p:par>
+        <p:cTn id="1" dur="indefinite" restart="never" nodeType="tmRoot"/>
+      </p:par>
+    </p:tnLst>
+  </p:timing>
 </p:sld>
 </file>
 
@@ -3415,7 +3508,7 @@
               </a:spcBef>
             </a:pPr>
             <a:r>
-              <a:rPr lang="en-US" spc="-20" dirty="0"/>
+              <a:rPr lang="en-US" spc="-20" dirty="0" smtClean="0"/>
               <a:t>Domain of the data</a:t>
             </a:r>
             <a:endParaRPr spc="-5" dirty="0"/>
@@ -3443,7 +3536,7 @@
           <a:lstStyle/>
           <a:p>
             <a:r>
-              <a:rPr lang="en-US" dirty="0">
+              <a:rPr lang="en-US" dirty="0" smtClean="0">
                 <a:solidFill>
                   <a:schemeClr val="tx1"/>
                 </a:solidFill>
@@ -3459,8 +3552,24 @@
                 </a:solidFill>
                 <a:hlinkClick r:id="rId2"/>
               </a:rPr>
-              <a:t>https://www.kaggle.com/datasets/thedevastator/udemy-courses-revenue-generation-and-course-anal</a:t>
-            </a:r>
+              <a:t>https://</a:t>
+            </a:r>
+            <a:r>
+              <a:rPr lang="en-US" dirty="0" smtClean="0">
+                <a:solidFill>
+                  <a:schemeClr val="tx1"/>
+                </a:solidFill>
+                <a:hlinkClick r:id="rId2"/>
+              </a:rPr>
+              <a:t>www.kaggle.com/datasets/thedevastator/udemy-courses-revenue-generation-and-course-anal</a:t>
+            </a:r>
+            <a:endParaRPr lang="en-US" dirty="0" smtClean="0">
+              <a:solidFill>
+                <a:schemeClr val="tx1"/>
+              </a:solidFill>
+            </a:endParaRPr>
+          </a:p>
+          <a:p>
             <a:endParaRPr lang="en-US" dirty="0">
               <a:solidFill>
                 <a:schemeClr val="tx1"/>
@@ -3468,6 +3577,32 @@
             </a:endParaRPr>
           </a:p>
           <a:p>
+            <a:r>
+              <a:rPr lang="en-US" dirty="0" smtClean="0">
+                <a:solidFill>
+                  <a:schemeClr val="tx1"/>
+                </a:solidFill>
+              </a:rPr>
+              <a:t>Ontology Name: </a:t>
+            </a:r>
+            <a:r>
+              <a:rPr lang="en-US" dirty="0" err="1" smtClean="0">
+                <a:solidFill>
+                  <a:schemeClr val="tx1"/>
+                </a:solidFill>
+              </a:rPr>
+              <a:t>Udemy</a:t>
+            </a:r>
+            <a:r>
+              <a:rPr lang="en-US" dirty="0" smtClean="0">
+                <a:solidFill>
+                  <a:schemeClr val="tx1"/>
+                </a:solidFill>
+              </a:rPr>
+              <a:t>-Courses</a:t>
+            </a:r>
+          </a:p>
+          <a:p>
             <a:endParaRPr lang="en-US" dirty="0">
               <a:solidFill>
                 <a:schemeClr val="tx1"/>
@@ -3475,40 +3610,7 @@
             </a:endParaRPr>
           </a:p>
           <a:p>
-            <a:r>
-              <a:rPr lang="en-US" dirty="0">
-                <a:solidFill>
-                  <a:schemeClr val="tx1"/>
-                </a:solidFill>
-              </a:rPr>
-              <a:t>Ontology Name: </a:t>
-            </a:r>
-            <a:r>
-              <a:rPr lang="en-US" dirty="0" err="1">
-                <a:solidFill>
-                  <a:schemeClr val="tx1"/>
-                </a:solidFill>
-              </a:rPr>
-              <a:t>Udemy</a:t>
-            </a:r>
-            <a:r>
-              <a:rPr lang="en-US" dirty="0">
-                <a:solidFill>
-                  <a:schemeClr val="tx1"/>
-                </a:solidFill>
-              </a:rPr>
-              <a:t>-Courses</a:t>
-            </a:r>
-          </a:p>
-          <a:p>
-            <a:endParaRPr lang="en-US" dirty="0">
-              <a:solidFill>
-                <a:schemeClr val="tx1"/>
-              </a:solidFill>
-            </a:endParaRPr>
-          </a:p>
-          <a:p>
-            <a:endParaRPr lang="en-US" dirty="0">
+            <a:endParaRPr lang="en-US" dirty="0" smtClean="0">
               <a:solidFill>
                 <a:schemeClr val="tx1"/>
               </a:solidFill>
@@ -3553,6 +3655,13 @@
   <p:transition spd="med">
     <p:fade/>
   </p:transition>
+  <p:timing>
+    <p:tnLst>
+      <p:par>
+        <p:cTn id="1" dur="indefinite" restart="never" nodeType="tmRoot"/>
+      </p:par>
+    </p:tnLst>
+  </p:timing>
 </p:sld>
 </file>
 
@@ -3653,7 +3762,7 @@
               </a:spcBef>
             </a:pPr>
             <a:r>
-              <a:rPr lang="en-US" sz="3200" spc="-20" dirty="0"/>
+              <a:rPr lang="en-US" sz="3200" spc="-20" dirty="0" smtClean="0"/>
               <a:t>Visual Model</a:t>
             </a:r>
             <a:endParaRPr sz="3200" spc="-5" dirty="0"/>
@@ -3704,8 +3813,8 @@
         </p:blipFill>
         <p:spPr>
           <a:xfrm>
-            <a:off x="653061" y="1456355"/>
-            <a:ext cx="7837876" cy="4608529"/>
+            <a:off x="206388" y="1590905"/>
+            <a:ext cx="8600171" cy="5056745"/>
           </a:xfrm>
           <a:prstGeom prst="rect">
             <a:avLst/>
@@ -3720,6 +3829,13 @@
   <p:transition spd="med">
     <p:fade/>
   </p:transition>
+  <p:timing>
+    <p:tnLst>
+      <p:par>
+        <p:cTn id="1" dur="indefinite" restart="never" nodeType="tmRoot"/>
+      </p:par>
+    </p:tnLst>
+  </p:timing>
 </p:sld>
 </file>
 
@@ -3866,7 +3982,7 @@
               </a:spcBef>
             </a:pPr>
             <a:r>
-              <a:rPr lang="en-US" sz="3200" spc="-20" dirty="0"/>
+              <a:rPr lang="en-US" sz="3200" spc="-20" dirty="0" smtClean="0"/>
               <a:t>Ontology Graph</a:t>
             </a:r>
             <a:endParaRPr sz="3200" spc="-5" dirty="0"/>
@@ -3933,6 +4049,13 @@
   <p:transition spd="med">
     <p:fade/>
   </p:transition>
+  <p:timing>
+    <p:tnLst>
+      <p:par>
+        <p:cTn id="1" dur="indefinite" restart="never" nodeType="tmRoot"/>
+      </p:par>
+    </p:tnLst>
+  </p:timing>
 </p:sld>
 </file>
 
@@ -3989,7 +4112,7 @@
               </a:tabLst>
             </a:pPr>
             <a:r>
-              <a:rPr lang="en-US" b="1" spc="-5" dirty="0">
+              <a:rPr lang="en-US" b="1" spc="-5" dirty="0" smtClean="0">
                 <a:latin typeface="Arial"/>
                 <a:cs typeface="Arial"/>
               </a:rPr>
@@ -4012,7 +4135,7 @@
               </a:tabLst>
             </a:pPr>
             <a:r>
-              <a:rPr lang="en-US" sz="1800" b="1" spc="-5" dirty="0">
+              <a:rPr lang="en-US" sz="1800" b="1" spc="-5" dirty="0" smtClean="0">
                 <a:latin typeface="Arial"/>
                 <a:cs typeface="Arial"/>
               </a:rPr>
@@ -4035,7 +4158,7 @@
               </a:tabLst>
             </a:pPr>
             <a:r>
-              <a:rPr lang="en-US" b="1" spc="-5" dirty="0">
+              <a:rPr lang="en-US" b="1" spc="-5" dirty="0" smtClean="0">
                 <a:latin typeface="Arial"/>
                 <a:cs typeface="Arial"/>
               </a:rPr>
@@ -4058,7 +4181,7 @@
               </a:tabLst>
             </a:pPr>
             <a:r>
-              <a:rPr lang="en-US" sz="1800" b="1" spc="-5" dirty="0">
+              <a:rPr lang="en-US" sz="1800" b="1" spc="-5" dirty="0" smtClean="0">
                 <a:latin typeface="Arial"/>
                 <a:cs typeface="Arial"/>
               </a:rPr>
@@ -4167,18 +4290,32 @@
               </a:rPr>
               <a:t>Here we have 4 </a:t>
             </a:r>
+            <a:r>
+              <a:rPr lang="en-US" b="1" spc="-5" dirty="0" smtClean="0">
+                <a:latin typeface="Arial"/>
+                <a:cs typeface="Arial"/>
+              </a:rPr>
+              <a:t/>
+            </a:r>
             <a:br>
+              <a:rPr lang="en-US" b="1" spc="-5" dirty="0" smtClean="0">
+                <a:latin typeface="Arial"/>
+                <a:cs typeface="Arial"/>
+              </a:rPr>
+            </a:br>
+            <a:r>
+              <a:rPr lang="en-US" b="1" spc="-5" dirty="0" smtClean="0">
+                <a:latin typeface="Arial"/>
+                <a:cs typeface="Arial"/>
+              </a:rPr>
+              <a:t>main </a:t>
+            </a:r>
+            <a:r>
               <a:rPr lang="en-US" b="1" spc="-5" dirty="0">
                 <a:latin typeface="Arial"/>
                 <a:cs typeface="Arial"/>
               </a:rPr>
-            </a:br>
-            <a:r>
-              <a:rPr lang="en-US" b="1" spc="-5" dirty="0">
-                <a:latin typeface="Arial"/>
-                <a:cs typeface="Arial"/>
-              </a:rPr>
-              <a:t>main classes:</a:t>
+              <a:t>classes:</a:t>
             </a:r>
           </a:p>
         </p:txBody>
@@ -4221,8 +4358,8 @@
         </p:blipFill>
         <p:spPr>
           <a:xfrm>
-            <a:off x="619530" y="2652324"/>
-            <a:ext cx="7850268" cy="3660203"/>
+            <a:off x="61912" y="2652325"/>
+            <a:ext cx="9020175" cy="4205675"/>
           </a:xfrm>
           <a:prstGeom prst="rect">
             <a:avLst/>
@@ -4237,6 +4374,13 @@
   <p:transition spd="med">
     <p:fade/>
   </p:transition>
+  <p:timing>
+    <p:tnLst>
+      <p:par>
+        <p:cTn id="1" dur="indefinite" restart="never" nodeType="tmRoot"/>
+      </p:par>
+    </p:tnLst>
+  </p:timing>
 </p:sld>
 </file>
 
@@ -4257,6 +4401,28 @@
           <a:chExt cx="0" cy="0"/>
         </a:xfrm>
       </p:grpSpPr>
+      <p:pic>
+        <p:nvPicPr>
+          <p:cNvPr id="2" name="object 2"/>
+          <p:cNvPicPr/>
+          <p:nvPr/>
+        </p:nvPicPr>
+        <p:blipFill>
+          <a:blip r:embed="rId2" cstate="print"/>
+          <a:stretch>
+            <a:fillRect/>
+          </a:stretch>
+        </p:blipFill>
+        <p:spPr>
+          <a:xfrm>
+            <a:off x="460248" y="68715"/>
+            <a:ext cx="2299716" cy="1028699"/>
+          </a:xfrm>
+          <a:prstGeom prst="rect">
+            <a:avLst/>
+          </a:prstGeom>
+        </p:spPr>
+      </p:pic>
       <p:sp>
         <p:nvSpPr>
           <p:cNvPr id="3" name="object 3"/>
@@ -4295,7 +4461,7 @@
               </a:tabLst>
             </a:pPr>
             <a:r>
-              <a:rPr lang="en-US" sz="2000" dirty="0">
+              <a:rPr lang="en-US" sz="2000" dirty="0" smtClean="0">
                 <a:latin typeface="Arial MT"/>
                 <a:cs typeface="Arial MT"/>
               </a:rPr>
@@ -4320,7 +4486,7 @@
               </a:tabLst>
             </a:pPr>
             <a:r>
-              <a:rPr lang="en-US" sz="2000" dirty="0">
+              <a:rPr lang="en-US" sz="2000" dirty="0" smtClean="0">
                 <a:latin typeface="Arial MT"/>
                 <a:cs typeface="Arial MT"/>
               </a:rPr>
@@ -4345,21 +4511,21 @@
               </a:tabLst>
             </a:pPr>
             <a:r>
-              <a:rPr lang="en-US" sz="2000" dirty="0">
+              <a:rPr lang="en-US" sz="2000" dirty="0" smtClean="0">
                 <a:latin typeface="Arial MT"/>
                 <a:cs typeface="Arial MT"/>
               </a:rPr>
               <a:t>For example course is ‘</a:t>
             </a:r>
             <a:r>
-              <a:rPr lang="en-US" sz="2000" dirty="0" err="1">
+              <a:rPr lang="en-US" sz="2000" dirty="0" err="1" smtClean="0">
                 <a:latin typeface="Arial MT"/>
                 <a:cs typeface="Arial MT"/>
               </a:rPr>
               <a:t>belongTo</a:t>
             </a:r>
             <a:r>
-              <a:rPr lang="en-US" sz="2000" dirty="0">
+              <a:rPr lang="en-US" sz="2000" dirty="0" smtClean="0">
                 <a:latin typeface="Arial MT"/>
                 <a:cs typeface="Arial MT"/>
               </a:rPr>
@@ -4384,18 +4550,18 @@
               </a:tabLst>
             </a:pPr>
             <a:r>
-              <a:rPr lang="en-US" sz="2000" dirty="0">
+              <a:rPr lang="en-US" sz="2000" dirty="0" smtClean="0">
                 <a:latin typeface="Arial MT"/>
                 <a:cs typeface="Arial MT"/>
               </a:rPr>
               <a:t>And graphically we represent it with </a:t>
             </a:r>
             <a:r>
-              <a:rPr lang="en-US" sz="2000" dirty="0" err="1">
+              <a:rPr lang="en-US" sz="2000" dirty="0" smtClean="0">
                 <a:latin typeface="Arial MT"/>
                 <a:cs typeface="Arial MT"/>
               </a:rPr>
-              <a:t>Dimands</a:t>
+              <a:t>Diamonds</a:t>
             </a:r>
             <a:endParaRPr sz="2000" dirty="0">
               <a:latin typeface="Arial MT"/>
@@ -4426,9 +4592,10 @@
           <a:p>
             <a:pPr algn="r"/>
             <a:r>
-              <a:rPr lang="en-US" sz="2800" dirty="0"/>
+              <a:rPr lang="en-US" sz="2800" dirty="0" smtClean="0"/>
               <a:t>INDIVIDUAL:</a:t>
             </a:r>
+            <a:endParaRPr lang="en-US" sz="2800" dirty="0"/>
           </a:p>
         </p:txBody>
       </p:sp>
@@ -4441,7 +4608,7 @@
           <p:nvPr/>
         </p:nvPicPr>
         <p:blipFill>
-          <a:blip r:embed="rId2"/>
+          <a:blip r:embed="rId3"/>
           <a:stretch>
             <a:fillRect/>
           </a:stretch>
@@ -4490,7 +4657,7 @@
         <p:spPr>
           <a:xfrm>
             <a:off x="1441259" y="1582738"/>
-            <a:ext cx="6262370" cy="382156"/>
+            <a:ext cx="6262370" cy="1133644"/>
           </a:xfrm>
           <a:prstGeom prst="rect">
             <a:avLst/>
@@ -4511,168 +4678,53 @@
               </a:spcBef>
             </a:pPr>
             <a:r>
-              <a:rPr lang="en-US" sz="2400" b="1" spc="-5" dirty="0">
+              <a:rPr lang="en-US" sz="2400" b="1" spc="-5" dirty="0" smtClean="0">
                 <a:latin typeface="Arial"/>
                 <a:cs typeface="Arial"/>
               </a:rPr>
               <a:t>We have a property called “</a:t>
             </a:r>
             <a:r>
-              <a:rPr lang="en-US" sz="2400" b="1" spc="-5" dirty="0" err="1">
+              <a:rPr lang="en-US" sz="2400" b="1" spc="-5" dirty="0" err="1" smtClean="0">
                 <a:latin typeface="Arial"/>
                 <a:cs typeface="Arial"/>
               </a:rPr>
               <a:t>belongsTo</a:t>
             </a:r>
             <a:r>
-              <a:rPr lang="en-US" sz="2400" b="1" spc="-5" dirty="0">
+              <a:rPr lang="en-US" sz="2400" b="1" spc="-5" dirty="0" smtClean="0">
                 <a:latin typeface="Arial"/>
                 <a:cs typeface="Arial"/>
               </a:rPr>
               <a:t>”</a:t>
             </a:r>
-            <a:endParaRPr sz="2400" dirty="0">
-              <a:latin typeface="Arial"/>
-              <a:cs typeface="Arial"/>
-            </a:endParaRPr>
-          </a:p>
-        </p:txBody>
-      </p:sp>
-      <p:grpSp>
-        <p:nvGrpSpPr>
-          <p:cNvPr id="3" name="object 3"/>
-          <p:cNvGrpSpPr/>
-          <p:nvPr/>
-        </p:nvGrpSpPr>
-        <p:grpSpPr>
-          <a:xfrm>
-            <a:off x="4312856" y="2316643"/>
-            <a:ext cx="401320" cy="649444"/>
-            <a:chOff x="4372355" y="2702048"/>
-            <a:chExt cx="401320" cy="480059"/>
-          </a:xfrm>
-        </p:grpSpPr>
-        <p:sp>
-          <p:nvSpPr>
-            <p:cNvPr id="4" name="object 4"/>
-            <p:cNvSpPr/>
-            <p:nvPr/>
-          </p:nvSpPr>
-          <p:spPr>
-            <a:xfrm>
-              <a:off x="4376927" y="2706620"/>
-              <a:ext cx="391795" cy="471170"/>
-            </a:xfrm>
-            <a:custGeom>
-              <a:avLst/>
-              <a:gdLst/>
-              <a:ahLst/>
-              <a:cxnLst/>
-              <a:rect l="l" t="t" r="r" b="b"/>
-              <a:pathLst>
-                <a:path w="391795" h="471169">
-                  <a:moveTo>
-                    <a:pt x="293751" y="0"/>
-                  </a:moveTo>
-                  <a:lnTo>
-                    <a:pt x="97917" y="0"/>
-                  </a:lnTo>
-                  <a:lnTo>
-                    <a:pt x="97917" y="237426"/>
-                  </a:lnTo>
-                  <a:lnTo>
-                    <a:pt x="0" y="237426"/>
-                  </a:lnTo>
-                  <a:lnTo>
-                    <a:pt x="195834" y="470916"/>
-                  </a:lnTo>
-                  <a:lnTo>
-                    <a:pt x="391668" y="237426"/>
-                  </a:lnTo>
-                  <a:lnTo>
-                    <a:pt x="293751" y="237426"/>
-                  </a:lnTo>
-                  <a:lnTo>
-                    <a:pt x="293751" y="0"/>
-                  </a:lnTo>
-                  <a:close/>
-                </a:path>
-              </a:pathLst>
-            </a:custGeom>
-            <a:solidFill>
-              <a:srgbClr val="B40000"/>
-            </a:solidFill>
-          </p:spPr>
-          <p:txBody>
-            <a:bodyPr wrap="square" lIns="0" tIns="0" rIns="0" bIns="0" rtlCol="0"/>
-            <a:lstStyle/>
-            <a:p>
-              <a:endParaRPr/>
-            </a:p>
-          </p:txBody>
-        </p:sp>
-        <p:sp>
-          <p:nvSpPr>
-            <p:cNvPr id="5" name="object 5"/>
-            <p:cNvSpPr/>
-            <p:nvPr/>
-          </p:nvSpPr>
-          <p:spPr>
-            <a:xfrm>
-              <a:off x="4376927" y="2706620"/>
-              <a:ext cx="391795" cy="471170"/>
-            </a:xfrm>
-            <a:custGeom>
-              <a:avLst/>
-              <a:gdLst/>
-              <a:ahLst/>
-              <a:cxnLst/>
-              <a:rect l="l" t="t" r="r" b="b"/>
-              <a:pathLst>
-                <a:path w="391795" h="471169">
-                  <a:moveTo>
-                    <a:pt x="0" y="237426"/>
-                  </a:moveTo>
-                  <a:lnTo>
-                    <a:pt x="97917" y="237426"/>
-                  </a:lnTo>
-                  <a:lnTo>
-                    <a:pt x="97917" y="0"/>
-                  </a:lnTo>
-                  <a:lnTo>
-                    <a:pt x="293751" y="0"/>
-                  </a:lnTo>
-                  <a:lnTo>
-                    <a:pt x="293751" y="237426"/>
-                  </a:lnTo>
-                  <a:lnTo>
-                    <a:pt x="391668" y="237426"/>
-                  </a:lnTo>
-                  <a:lnTo>
-                    <a:pt x="195834" y="470916"/>
-                  </a:lnTo>
-                  <a:lnTo>
-                    <a:pt x="0" y="237426"/>
-                  </a:lnTo>
-                  <a:close/>
-                </a:path>
-              </a:pathLst>
-            </a:custGeom>
-            <a:ln w="9144">
-              <a:solidFill>
-                <a:srgbClr val="B40000"/>
-              </a:solidFill>
-            </a:ln>
-          </p:spPr>
-          <p:txBody>
-            <a:bodyPr wrap="square" lIns="0" tIns="0" rIns="0" bIns="0" rtlCol="0"/>
-            <a:lstStyle/>
-            <a:p>
-              <a:endParaRPr/>
-            </a:p>
-          </p:txBody>
-        </p:sp>
-      </p:grpSp>
+            <a:r>
+              <a:rPr lang="en-US" sz="2400" dirty="0" smtClean="0">
+                <a:latin typeface="Arial"/>
+                <a:cs typeface="Arial"/>
+              </a:rPr>
+              <a:t>.</a:t>
+            </a:r>
+          </a:p>
+          <a:p>
+            <a:pPr marL="1795145" marR="5080" indent="-1783080">
+              <a:lnSpc>
+                <a:spcPct val="100000"/>
+              </a:lnSpc>
+              <a:spcBef>
+                <a:spcPts val="100"/>
+              </a:spcBef>
+            </a:pPr>
+            <a:r>
+              <a:rPr lang="en-US" sz="2400" b="1" spc="-5" dirty="0" smtClean="0">
+                <a:latin typeface="Arial"/>
+                <a:cs typeface="Arial"/>
+              </a:rPr>
+              <a:t>Properties have a binary relations with classes</a:t>
+            </a:r>
+          </a:p>
+        </p:txBody>
+      </p:sp>
       <p:sp>
         <p:nvSpPr>
           <p:cNvPr id="6" name="object 6"/>
@@ -4949,8 +5001,8 @@
         </p:nvSpPr>
         <p:spPr>
           <a:xfrm>
-            <a:off x="337439" y="439649"/>
-            <a:ext cx="8469121" cy="505267"/>
+            <a:off x="337439" y="198662"/>
+            <a:ext cx="8469121" cy="997709"/>
           </a:xfrm>
           <a:prstGeom prst="rect">
             <a:avLst/>
@@ -4971,8 +5023,16 @@
               </a:spcBef>
             </a:pPr>
             <a:r>
-              <a:rPr lang="en-US" sz="3200" dirty="0"/>
-              <a:t>Properties:</a:t>
+              <a:rPr lang="en-US" sz="3200" dirty="0" smtClean="0"/>
+              <a:t>Object </a:t>
+            </a:r>
+            <a:r>
+              <a:rPr lang="en-US" sz="3200" dirty="0" smtClean="0"/>
+              <a:t>Properties</a:t>
+            </a:r>
+            <a:r>
+              <a:rPr lang="en-US" sz="3200" dirty="0" smtClean="0"/>
+              <a:t>:</a:t>
             </a:r>
             <a:endParaRPr sz="3200" spc="-5" dirty="0"/>
           </a:p>
@@ -5096,9 +5156,10 @@
           <a:p>
             <a:pPr algn="r"/>
             <a:r>
-              <a:rPr lang="en-US" sz="3200" dirty="0"/>
+              <a:rPr lang="en-US" sz="3200" dirty="0" smtClean="0"/>
               <a:t>Attributes:</a:t>
             </a:r>
+            <a:endParaRPr lang="en-US" sz="3200" dirty="0"/>
           </a:p>
         </p:txBody>
       </p:sp>
@@ -5128,8 +5189,21 @@
                   <a:schemeClr val="tx1"/>
                 </a:solidFill>
               </a:rPr>
-              <a:t>Describe the objects in the ontology and they are called data properties</a:t>
-            </a:r>
+              <a:t>describe the objects in the </a:t>
+            </a:r>
+            <a:r>
+              <a:rPr lang="en-US" b="0" dirty="0" smtClean="0">
+                <a:solidFill>
+                  <a:schemeClr val="tx1"/>
+                </a:solidFill>
+              </a:rPr>
+              <a:t>ontology and it is called data properties</a:t>
+            </a:r>
+            <a:endParaRPr lang="en-US" b="0" dirty="0">
+              <a:solidFill>
+                <a:schemeClr val="tx1"/>
+              </a:solidFill>
+            </a:endParaRPr>
           </a:p>
         </p:txBody>
       </p:sp>
